--- a/simul/derived/summary results1.pptx
+++ b/simul/derived/summary results1.pptx
@@ -243,7 +243,7 @@
           <a:p>
             <a:fld id="{5687CBDC-B4BF-4543-B4E2-48F013B93E82}" type="datetimeFigureOut">
               <a:rPr lang="en-US" smtClean="0"/>
-              <a:t>12/1/2021</a:t>
+              <a:t>12/8/2021</a:t>
             </a:fld>
             <a:endParaRPr lang="en-US"/>
           </a:p>
@@ -413,7 +413,7 @@
           <a:p>
             <a:fld id="{5687CBDC-B4BF-4543-B4E2-48F013B93E82}" type="datetimeFigureOut">
               <a:rPr lang="en-US" smtClean="0"/>
-              <a:t>12/1/2021</a:t>
+              <a:t>12/8/2021</a:t>
             </a:fld>
             <a:endParaRPr lang="en-US"/>
           </a:p>
@@ -593,7 +593,7 @@
           <a:p>
             <a:fld id="{5687CBDC-B4BF-4543-B4E2-48F013B93E82}" type="datetimeFigureOut">
               <a:rPr lang="en-US" smtClean="0"/>
-              <a:t>12/1/2021</a:t>
+              <a:t>12/8/2021</a:t>
             </a:fld>
             <a:endParaRPr lang="en-US"/>
           </a:p>
@@ -763,7 +763,7 @@
           <a:p>
             <a:fld id="{5687CBDC-B4BF-4543-B4E2-48F013B93E82}" type="datetimeFigureOut">
               <a:rPr lang="en-US" smtClean="0"/>
-              <a:t>12/1/2021</a:t>
+              <a:t>12/8/2021</a:t>
             </a:fld>
             <a:endParaRPr lang="en-US"/>
           </a:p>
@@ -1007,7 +1007,7 @@
           <a:p>
             <a:fld id="{5687CBDC-B4BF-4543-B4E2-48F013B93E82}" type="datetimeFigureOut">
               <a:rPr lang="en-US" smtClean="0"/>
-              <a:t>12/1/2021</a:t>
+              <a:t>12/8/2021</a:t>
             </a:fld>
             <a:endParaRPr lang="en-US"/>
           </a:p>
@@ -1239,7 +1239,7 @@
           <a:p>
             <a:fld id="{5687CBDC-B4BF-4543-B4E2-48F013B93E82}" type="datetimeFigureOut">
               <a:rPr lang="en-US" smtClean="0"/>
-              <a:t>12/1/2021</a:t>
+              <a:t>12/8/2021</a:t>
             </a:fld>
             <a:endParaRPr lang="en-US"/>
           </a:p>
@@ -1606,7 +1606,7 @@
           <a:p>
             <a:fld id="{5687CBDC-B4BF-4543-B4E2-48F013B93E82}" type="datetimeFigureOut">
               <a:rPr lang="en-US" smtClean="0"/>
-              <a:t>12/1/2021</a:t>
+              <a:t>12/8/2021</a:t>
             </a:fld>
             <a:endParaRPr lang="en-US"/>
           </a:p>
@@ -1724,7 +1724,7 @@
           <a:p>
             <a:fld id="{5687CBDC-B4BF-4543-B4E2-48F013B93E82}" type="datetimeFigureOut">
               <a:rPr lang="en-US" smtClean="0"/>
-              <a:t>12/1/2021</a:t>
+              <a:t>12/8/2021</a:t>
             </a:fld>
             <a:endParaRPr lang="en-US"/>
           </a:p>
@@ -1819,7 +1819,7 @@
           <a:p>
             <a:fld id="{5687CBDC-B4BF-4543-B4E2-48F013B93E82}" type="datetimeFigureOut">
               <a:rPr lang="en-US" smtClean="0"/>
-              <a:t>12/1/2021</a:t>
+              <a:t>12/8/2021</a:t>
             </a:fld>
             <a:endParaRPr lang="en-US"/>
           </a:p>
@@ -2096,7 +2096,7 @@
           <a:p>
             <a:fld id="{5687CBDC-B4BF-4543-B4E2-48F013B93E82}" type="datetimeFigureOut">
               <a:rPr lang="en-US" smtClean="0"/>
-              <a:t>12/1/2021</a:t>
+              <a:t>12/8/2021</a:t>
             </a:fld>
             <a:endParaRPr lang="en-US"/>
           </a:p>
@@ -2353,7 +2353,7 @@
           <a:p>
             <a:fld id="{5687CBDC-B4BF-4543-B4E2-48F013B93E82}" type="datetimeFigureOut">
               <a:rPr lang="en-US" smtClean="0"/>
-              <a:t>12/1/2021</a:t>
+              <a:t>12/8/2021</a:t>
             </a:fld>
             <a:endParaRPr lang="en-US"/>
           </a:p>
@@ -2566,7 +2566,7 @@
           <a:p>
             <a:fld id="{5687CBDC-B4BF-4543-B4E2-48F013B93E82}" type="datetimeFigureOut">
               <a:rPr lang="en-US" smtClean="0"/>
-              <a:t>12/1/2021</a:t>
+              <a:t>12/8/2021</a:t>
             </a:fld>
             <a:endParaRPr lang="en-US"/>
           </a:p>
@@ -2973,10 +2973,10 @@
       </p:grpSpPr>
       <p:pic>
         <p:nvPicPr>
-          <p:cNvPr id="14" name="Picture 13" descr="Chart&#10;&#10;Description automatically generated">
+          <p:cNvPr id="9" name="Picture 8" descr="Circle&#10;&#10;Description automatically generated">
             <a:extLst>
               <a:ext uri="{FF2B5EF4-FFF2-40B4-BE49-F238E27FC236}">
-                <a16:creationId xmlns:a16="http://schemas.microsoft.com/office/drawing/2014/main" id="{1F290B25-213B-44A9-9639-A351F8F5D7C5}"/>
+                <a16:creationId xmlns:a16="http://schemas.microsoft.com/office/drawing/2014/main" id="{A278029D-91CD-4BDC-B055-6EADEBC534E1}"/>
               </a:ext>
             </a:extLst>
           </p:cNvPr>
@@ -2999,7 +2999,7 @@
         </p:blipFill>
         <p:spPr>
           <a:xfrm>
-            <a:off x="3427710" y="5038344"/>
+            <a:off x="3429000" y="2752344"/>
             <a:ext cx="2276856" cy="2276856"/>
           </a:xfrm>
           <a:prstGeom prst="rect">
@@ -3009,10 +3009,10 @@
       </p:pic>
       <p:pic>
         <p:nvPicPr>
-          <p:cNvPr id="12" name="Picture 11" descr="Chart, sunburst chart&#10;&#10;Description automatically generated">
+          <p:cNvPr id="4" name="Picture 3" descr="A picture containing chart&#10;&#10;Description automatically generated">
             <a:extLst>
               <a:ext uri="{FF2B5EF4-FFF2-40B4-BE49-F238E27FC236}">
-                <a16:creationId xmlns:a16="http://schemas.microsoft.com/office/drawing/2014/main" id="{41DE3D5B-7CCC-4415-A194-0FF391F06759}"/>
+                <a16:creationId xmlns:a16="http://schemas.microsoft.com/office/drawing/2014/main" id="{081402DF-79EB-401E-A96A-63422F296438}"/>
               </a:ext>
             </a:extLst>
           </p:cNvPr>
@@ -3035,7 +3035,7 @@
         </p:blipFill>
         <p:spPr>
           <a:xfrm>
-            <a:off x="786384" y="5038344"/>
+            <a:off x="786384" y="2752344"/>
             <a:ext cx="2276856" cy="2276856"/>
           </a:xfrm>
           <a:prstGeom prst="rect">
@@ -3045,10 +3045,10 @@
       </p:pic>
       <p:pic>
         <p:nvPicPr>
-          <p:cNvPr id="52" name="Picture 51">
+          <p:cNvPr id="14" name="Picture 13" descr="Chart&#10;&#10;Description automatically generated">
             <a:extLst>
               <a:ext uri="{FF2B5EF4-FFF2-40B4-BE49-F238E27FC236}">
-                <a16:creationId xmlns:a16="http://schemas.microsoft.com/office/drawing/2014/main" id="{447BD00C-2033-46A3-A3EA-6C2754A1BC5C}"/>
+                <a16:creationId xmlns:a16="http://schemas.microsoft.com/office/drawing/2014/main" id="{1F290B25-213B-44A9-9639-A351F8F5D7C5}"/>
               </a:ext>
             </a:extLst>
           </p:cNvPr>
@@ -3058,15 +3058,21 @@
           <p:nvPr/>
         </p:nvPicPr>
         <p:blipFill>
-          <a:blip r:embed="rId4"/>
+          <a:blip r:embed="rId4">
+            <a:extLst>
+              <a:ext uri="{28A0092B-C50C-407E-A947-70E740481C1C}">
+                <a14:useLocalDpi xmlns:a14="http://schemas.microsoft.com/office/drawing/2010/main" val="0"/>
+              </a:ext>
+            </a:extLst>
+          </a:blip>
           <a:stretch>
             <a:fillRect/>
           </a:stretch>
         </p:blipFill>
         <p:spPr>
           <a:xfrm>
-            <a:off x="3006835" y="2695703"/>
-            <a:ext cx="459770" cy="773758"/>
+            <a:off x="3427710" y="5038344"/>
+            <a:ext cx="2276856" cy="2276856"/>
           </a:xfrm>
           <a:prstGeom prst="rect">
             <a:avLst/>
@@ -3075,10 +3081,10 @@
       </p:pic>
       <p:pic>
         <p:nvPicPr>
-          <p:cNvPr id="10" name="Picture 9" descr="Circle&#10;&#10;Description automatically generated">
+          <p:cNvPr id="12" name="Picture 11" descr="Chart, sunburst chart&#10;&#10;Description automatically generated">
             <a:extLst>
               <a:ext uri="{FF2B5EF4-FFF2-40B4-BE49-F238E27FC236}">
-                <a16:creationId xmlns:a16="http://schemas.microsoft.com/office/drawing/2014/main" id="{9AB44D80-D154-4D3F-8809-14D0224706E6}"/>
+                <a16:creationId xmlns:a16="http://schemas.microsoft.com/office/drawing/2014/main" id="{41DE3D5B-7CCC-4415-A194-0FF391F06759}"/>
               </a:ext>
             </a:extLst>
           </p:cNvPr>
@@ -3101,7 +3107,7 @@
         </p:blipFill>
         <p:spPr>
           <a:xfrm>
-            <a:off x="3429000" y="2752344"/>
+            <a:off x="786384" y="5038344"/>
             <a:ext cx="2276856" cy="2276856"/>
           </a:xfrm>
           <a:prstGeom prst="rect">
@@ -3111,10 +3117,10 @@
       </p:pic>
       <p:pic>
         <p:nvPicPr>
-          <p:cNvPr id="8" name="Picture 7" descr="A picture containing chart&#10;&#10;Description automatically generated">
+          <p:cNvPr id="52" name="Picture 51">
             <a:extLst>
               <a:ext uri="{FF2B5EF4-FFF2-40B4-BE49-F238E27FC236}">
-                <a16:creationId xmlns:a16="http://schemas.microsoft.com/office/drawing/2014/main" id="{E86B3DB6-6CA8-4BC7-B069-B1E2A897A3B0}"/>
+                <a16:creationId xmlns:a16="http://schemas.microsoft.com/office/drawing/2014/main" id="{447BD00C-2033-46A3-A3EA-6C2754A1BC5C}"/>
               </a:ext>
             </a:extLst>
           </p:cNvPr>
@@ -3124,21 +3130,15 @@
           <p:nvPr/>
         </p:nvPicPr>
         <p:blipFill>
-          <a:blip r:embed="rId6">
-            <a:extLst>
-              <a:ext uri="{28A0092B-C50C-407E-A947-70E740481C1C}">
-                <a14:useLocalDpi xmlns:a14="http://schemas.microsoft.com/office/drawing/2010/main" val="0"/>
-              </a:ext>
-            </a:extLst>
-          </a:blip>
+          <a:blip r:embed="rId6"/>
           <a:stretch>
             <a:fillRect/>
           </a:stretch>
         </p:blipFill>
         <p:spPr>
           <a:xfrm>
-            <a:off x="786384" y="2751419"/>
-            <a:ext cx="2276856" cy="2276856"/>
+            <a:off x="3006835" y="2695703"/>
+            <a:ext cx="459770" cy="773758"/>
           </a:xfrm>
           <a:prstGeom prst="rect">
             <a:avLst/>
@@ -3160,7 +3160,7 @@
           <p:nvPr/>
         </p:nvPicPr>
         <p:blipFill>
-          <a:blip r:embed="rId4"/>
+          <a:blip r:embed="rId6"/>
           <a:stretch>
             <a:fillRect/>
           </a:stretch>
